--- a/ClasspathInJava.pptx
+++ b/ClasspathInJava.pptx
@@ -4035,35 +4035,6 @@
                 <a:cs typeface="Arial" panose="020B0604020202020204" pitchFamily="34" charset="0"/>
               </a:rPr>
               <a:t> JAVA</a:t>
-            </a:r>
-            <a:endParaRPr lang="en-US" dirty="0">
-              <a:latin typeface="Arial" panose="020B0604020202020204" pitchFamily="34" charset="0"/>
-              <a:cs typeface="Arial" panose="020B0604020202020204" pitchFamily="34" charset="0"/>
-            </a:endParaRPr>
-          </a:p>
-        </p:txBody>
-      </p:sp>
-      <p:sp>
-        <p:nvSpPr>
-          <p:cNvPr id="3" name="Subtitle 2"/>
-          <p:cNvSpPr>
-            <a:spLocks noGrp="1"/>
-          </p:cNvSpPr>
-          <p:nvPr>
-            <p:ph type="subTitle" idx="1"/>
-          </p:nvPr>
-        </p:nvSpPr>
-        <p:spPr/>
-        <p:txBody>
-          <a:bodyPr/>
-          <a:lstStyle/>
-          <a:p>
-            <a:r>
-              <a:rPr lang="vi-VN" dirty="0" smtClean="0">
-                <a:latin typeface="Arial" panose="020B0604020202020204" pitchFamily="34" charset="0"/>
-                <a:cs typeface="Arial" panose="020B0604020202020204" pitchFamily="34" charset="0"/>
-              </a:rPr>
-              <a:t>Tác giả: Mr.Tú</a:t>
             </a:r>
             <a:endParaRPr lang="en-US" dirty="0">
               <a:latin typeface="Arial" panose="020B0604020202020204" pitchFamily="34" charset="0"/>
